--- a/powerpoint files/Session5.pptx
+++ b/powerpoint files/Session5.pptx
@@ -118,7 +118,18 @@
   </p:defaultTextStyle>
   <p:extLst>
     <p:ext uri="{EFAFB233-063F-42B5-8137-9DF3F51BA10A}">
-      <p15:sldGuideLst xmlns:p15="http://schemas.microsoft.com/office/powerpoint/2012/main" xmlns=""/>
+      <p15:sldGuideLst xmlns:p15="http://schemas.microsoft.com/office/powerpoint/2012/main">
+        <p15:guide id="1" orient="horz" pos="2160">
+          <p15:clr>
+            <a:srgbClr val="A4A3A4"/>
+          </p15:clr>
+        </p15:guide>
+        <p15:guide id="2" pos="2880">
+          <p15:clr>
+            <a:srgbClr val="A4A3A4"/>
+          </p15:clr>
+        </p15:guide>
+      </p15:sldGuideLst>
     </p:ext>
   </p:extLst>
 </p:presentation>
@@ -806,7 +817,7 @@
           <a:p>
             <a:fld id="{927AE14A-E53B-F74F-B5AA-37C2AC2703D1}" type="datetimeFigureOut">
               <a:rPr lang="en-US" smtClean="0"/>
-              <a:t>21/07/21</a:t>
+              <a:t>11/22/2021</a:t>
             </a:fld>
             <a:endParaRPr lang="en-US"/>
           </a:p>
@@ -976,7 +987,7 @@
           <a:p>
             <a:fld id="{927AE14A-E53B-F74F-B5AA-37C2AC2703D1}" type="datetimeFigureOut">
               <a:rPr lang="en-US" smtClean="0"/>
-              <a:t>21/07/21</a:t>
+              <a:t>11/22/2021</a:t>
             </a:fld>
             <a:endParaRPr lang="en-US"/>
           </a:p>
@@ -1156,7 +1167,7 @@
           <a:p>
             <a:fld id="{927AE14A-E53B-F74F-B5AA-37C2AC2703D1}" type="datetimeFigureOut">
               <a:rPr lang="en-US" smtClean="0"/>
-              <a:t>21/07/21</a:t>
+              <a:t>11/22/2021</a:t>
             </a:fld>
             <a:endParaRPr lang="en-US"/>
           </a:p>
@@ -1517,7 +1528,7 @@
           <a:p>
             <a:fld id="{927AE14A-E53B-F74F-B5AA-37C2AC2703D1}" type="datetimeFigureOut">
               <a:rPr lang="en-US" smtClean="0"/>
-              <a:t>21/07/21</a:t>
+              <a:t>11/22/2021</a:t>
             </a:fld>
             <a:endParaRPr lang="en-US"/>
           </a:p>
@@ -1763,7 +1774,7 @@
           <a:p>
             <a:fld id="{927AE14A-E53B-F74F-B5AA-37C2AC2703D1}" type="datetimeFigureOut">
               <a:rPr lang="en-US" smtClean="0"/>
-              <a:t>21/07/21</a:t>
+              <a:t>11/22/2021</a:t>
             </a:fld>
             <a:endParaRPr lang="en-US"/>
           </a:p>
@@ -2051,7 +2062,7 @@
           <a:p>
             <a:fld id="{927AE14A-E53B-F74F-B5AA-37C2AC2703D1}" type="datetimeFigureOut">
               <a:rPr lang="en-US" smtClean="0"/>
-              <a:t>21/07/21</a:t>
+              <a:t>11/22/2021</a:t>
             </a:fld>
             <a:endParaRPr lang="en-US"/>
           </a:p>
@@ -2473,7 +2484,7 @@
           <a:p>
             <a:fld id="{927AE14A-E53B-F74F-B5AA-37C2AC2703D1}" type="datetimeFigureOut">
               <a:rPr lang="en-US" smtClean="0"/>
-              <a:t>21/07/21</a:t>
+              <a:t>11/22/2021</a:t>
             </a:fld>
             <a:endParaRPr lang="en-US"/>
           </a:p>
@@ -2591,7 +2602,7 @@
           <a:p>
             <a:fld id="{927AE14A-E53B-F74F-B5AA-37C2AC2703D1}" type="datetimeFigureOut">
               <a:rPr lang="en-US" smtClean="0"/>
-              <a:t>21/07/21</a:t>
+              <a:t>11/22/2021</a:t>
             </a:fld>
             <a:endParaRPr lang="en-US"/>
           </a:p>
@@ -2686,7 +2697,7 @@
           <a:p>
             <a:fld id="{927AE14A-E53B-F74F-B5AA-37C2AC2703D1}" type="datetimeFigureOut">
               <a:rPr lang="en-US" smtClean="0"/>
-              <a:t>21/07/21</a:t>
+              <a:t>11/22/2021</a:t>
             </a:fld>
             <a:endParaRPr lang="en-US"/>
           </a:p>
@@ -2963,7 +2974,7 @@
           <a:p>
             <a:fld id="{927AE14A-E53B-F74F-B5AA-37C2AC2703D1}" type="datetimeFigureOut">
               <a:rPr lang="en-US" smtClean="0"/>
-              <a:t>21/07/21</a:t>
+              <a:t>11/22/2021</a:t>
             </a:fld>
             <a:endParaRPr lang="en-US"/>
           </a:p>
@@ -3216,7 +3227,7 @@
           <a:p>
             <a:fld id="{927AE14A-E53B-F74F-B5AA-37C2AC2703D1}" type="datetimeFigureOut">
               <a:rPr lang="en-US" smtClean="0"/>
-              <a:t>21/07/21</a:t>
+              <a:t>11/22/2021</a:t>
             </a:fld>
             <a:endParaRPr lang="en-US"/>
           </a:p>
@@ -3429,7 +3440,7 @@
           <a:p>
             <a:fld id="{927AE14A-E53B-F74F-B5AA-37C2AC2703D1}" type="datetimeFigureOut">
               <a:rPr lang="en-US" smtClean="0"/>
-              <a:t>21/07/21</a:t>
+              <a:t>11/22/2021</a:t>
             </a:fld>
             <a:endParaRPr lang="en-US"/>
           </a:p>
@@ -3901,32 +3912,20 @@
           </a:p>
           <a:p>
             <a:r>
-              <a:rPr lang="en-US" dirty="0" smtClean="0">
+              <a:rPr lang="en-US" dirty="0" err="1">
                 <a:cs typeface="Calibri"/>
               </a:rPr>
-              <a:t>21</a:t>
-            </a:r>
-            <a:r>
-              <a:rPr lang="en-US" dirty="0" smtClean="0">
+              <a:t>Michaelmas</a:t>
+            </a:r>
+            <a:r>
+              <a:rPr lang="en-US">
                 <a:cs typeface="Calibri"/>
               </a:rPr>
-              <a:t>/07/</a:t>
-            </a:r>
-            <a:r>
-              <a:rPr lang="en-US" dirty="0">
-                <a:cs typeface="Calibri"/>
-              </a:rPr>
-              <a:t>2021</a:t>
-            </a:r>
-            <a:endParaRPr lang="en-US" dirty="0"/>
-          </a:p>
-          <a:p>
-            <a:r>
-              <a:rPr lang="en-US" dirty="0">
-                <a:cs typeface="Calibri"/>
-              </a:rPr>
-              <a:t>Trinity 2021</a:t>
-            </a:r>
+              <a:t> 2021</a:t>
+            </a:r>
+            <a:endParaRPr lang="en-US" dirty="0">
+              <a:cs typeface="Calibri"/>
+            </a:endParaRPr>
           </a:p>
         </p:txBody>
       </p:sp>
@@ -3965,7 +3964,7 @@
           <p:cNvPr id="2" name="Title 1">
             <a:extLst>
               <a:ext uri="{FF2B5EF4-FFF2-40B4-BE49-F238E27FC236}">
-                <a16:creationId xmlns:a16="http://schemas.microsoft.com/office/drawing/2014/main" xmlns="" id="{EC84C91D-5C9A-4516-BC67-968A5870A641}"/>
+                <a16:creationId xmlns:a16="http://schemas.microsoft.com/office/drawing/2014/main" id="{EC84C91D-5C9A-4516-BC67-968A5870A641}"/>
               </a:ext>
             </a:extLst>
           </p:cNvPr>
@@ -3998,7 +3997,7 @@
           <p:cNvPr id="3" name="Picture 2">
             <a:extLst>
               <a:ext uri="{FF2B5EF4-FFF2-40B4-BE49-F238E27FC236}">
-                <a16:creationId xmlns:a16="http://schemas.microsoft.com/office/drawing/2014/main" xmlns="" id="{A2017004-EE89-4B37-BC4C-80B74116AEE8}"/>
+                <a16:creationId xmlns:a16="http://schemas.microsoft.com/office/drawing/2014/main" id="{A2017004-EE89-4B37-BC4C-80B74116AEE8}"/>
               </a:ext>
             </a:extLst>
           </p:cNvPr>
@@ -4028,7 +4027,7 @@
           <p:cNvPr id="9" name="TextBox 8">
             <a:extLst>
               <a:ext uri="{FF2B5EF4-FFF2-40B4-BE49-F238E27FC236}">
-                <a16:creationId xmlns:a16="http://schemas.microsoft.com/office/drawing/2014/main" xmlns="" id="{2D4E0B56-A755-4465-A291-CEF09A3C302A}"/>
+                <a16:creationId xmlns:a16="http://schemas.microsoft.com/office/drawing/2014/main" id="{2D4E0B56-A755-4465-A291-CEF09A3C302A}"/>
               </a:ext>
             </a:extLst>
           </p:cNvPr>
@@ -4069,7 +4068,7 @@
           <p:cNvPr id="10" name="Text Placeholder 2">
             <a:extLst>
               <a:ext uri="{FF2B5EF4-FFF2-40B4-BE49-F238E27FC236}">
-                <a16:creationId xmlns:a16="http://schemas.microsoft.com/office/drawing/2014/main" xmlns="" id="{89439666-2118-4485-BDB4-6DE846F6287F}"/>
+                <a16:creationId xmlns:a16="http://schemas.microsoft.com/office/drawing/2014/main" id="{89439666-2118-4485-BDB4-6DE846F6287F}"/>
               </a:ext>
             </a:extLst>
           </p:cNvPr>
@@ -4295,10 +4294,10 @@
           <p:cNvPr id="29" name="Rectangle 28">
             <a:extLst>
               <a:ext uri="{FF2B5EF4-FFF2-40B4-BE49-F238E27FC236}">
-                <a16:creationId xmlns:a16="http://schemas.microsoft.com/office/drawing/2014/main" xmlns="" id="{91F32EBA-ED97-466E-8CFA-8382584155D0}"/>
+                <a16:creationId xmlns:a16="http://schemas.microsoft.com/office/drawing/2014/main" id="{91F32EBA-ED97-466E-8CFA-8382584155D0}"/>
               </a:ext>
               <a:ext uri="{C183D7F6-B498-43B3-948B-1728B52AA6E4}">
-                <adec:decorative xmlns:adec="http://schemas.microsoft.com/office/drawing/2017/decorative" xmlns="" val="1"/>
+                <adec:decorative xmlns:adec="http://schemas.microsoft.com/office/drawing/2017/decorative" val="1"/>
               </a:ext>
             </a:extLst>
           </p:cNvPr>
@@ -4308,7 +4307,7 @@
           <p:nvPr>
             <p:extLst>
               <p:ext uri="{386F3935-93C4-4BCD-93E2-E3B085C9AB24}">
-                <p16:designElem xmlns:p16="http://schemas.microsoft.com/office/powerpoint/2015/main" xmlns="" val="1"/>
+                <p16:designElem xmlns:p16="http://schemas.microsoft.com/office/powerpoint/2015/main" val="1"/>
               </p:ext>
             </p:extLst>
           </p:nvPr>
@@ -4384,7 +4383,7 @@
           <p:cNvPr id="2" name="TextBox 1">
             <a:extLst>
               <a:ext uri="{FF2B5EF4-FFF2-40B4-BE49-F238E27FC236}">
-                <a16:creationId xmlns:a16="http://schemas.microsoft.com/office/drawing/2014/main" xmlns="" id="{F555FB54-7145-41A4-B7AC-80E889E6930E}"/>
+                <a16:creationId xmlns:a16="http://schemas.microsoft.com/office/drawing/2014/main" id="{F555FB54-7145-41A4-B7AC-80E889E6930E}"/>
               </a:ext>
             </a:extLst>
           </p:cNvPr>
@@ -4463,10 +4462,10 @@
           <p:cNvPr id="31" name="Freeform: Shape 30">
             <a:extLst>
               <a:ext uri="{FF2B5EF4-FFF2-40B4-BE49-F238E27FC236}">
-                <a16:creationId xmlns:a16="http://schemas.microsoft.com/office/drawing/2014/main" xmlns="" id="{62A38935-BB53-4DF7-A56E-48DD25B685D7}"/>
+                <a16:creationId xmlns:a16="http://schemas.microsoft.com/office/drawing/2014/main" id="{62A38935-BB53-4DF7-A56E-48DD25B685D7}"/>
               </a:ext>
               <a:ext uri="{C183D7F6-B498-43B3-948B-1728B52AA6E4}">
-                <adec:decorative xmlns:adec="http://schemas.microsoft.com/office/drawing/2017/decorative" xmlns="" val="1"/>
+                <adec:decorative xmlns:adec="http://schemas.microsoft.com/office/drawing/2017/decorative" val="1"/>
               </a:ext>
             </a:extLst>
           </p:cNvPr>
@@ -4476,7 +4475,7 @@
           <p:nvPr>
             <p:extLst>
               <p:ext uri="{386F3935-93C4-4BCD-93E2-E3B085C9AB24}">
-                <p16:designElem xmlns:p16="http://schemas.microsoft.com/office/powerpoint/2015/main" xmlns="" val="1"/>
+                <p16:designElem xmlns:p16="http://schemas.microsoft.com/office/powerpoint/2015/main" val="1"/>
               </p:ext>
             </p:extLst>
           </p:nvPr>
@@ -5266,7 +5265,7 @@
           <p:cNvPr id="23" name="Graphic 5" descr="Cmd Terminal outline">
             <a:extLst>
               <a:ext uri="{FF2B5EF4-FFF2-40B4-BE49-F238E27FC236}">
-                <a16:creationId xmlns:a16="http://schemas.microsoft.com/office/drawing/2014/main" xmlns="" id="{B5C9A296-4AD9-4D40-87ED-1242EE6EE8FE}"/>
+                <a16:creationId xmlns:a16="http://schemas.microsoft.com/office/drawing/2014/main" id="{B5C9A296-4AD9-4D40-87ED-1242EE6EE8FE}"/>
               </a:ext>
             </a:extLst>
           </p:cNvPr>
@@ -5279,7 +5278,7 @@
           <a:blip r:embed="rId2">
             <a:extLst>
               <a:ext uri="{96DAC541-7B7A-43D3-8B79-37D633B846F1}">
-                <asvg:svgBlip xmlns:asvg="http://schemas.microsoft.com/office/drawing/2016/SVG/main" xmlns="" r:embed="rId3"/>
+                <asvg:svgBlip xmlns:asvg="http://schemas.microsoft.com/office/drawing/2016/SVG/main" r:embed="rId3"/>
               </a:ext>
             </a:extLst>
           </a:blip>
@@ -5339,10 +5338,10 @@
           <p:cNvPr id="29" name="Rectangle 28">
             <a:extLst>
               <a:ext uri="{FF2B5EF4-FFF2-40B4-BE49-F238E27FC236}">
-                <a16:creationId xmlns:a16="http://schemas.microsoft.com/office/drawing/2014/main" xmlns="" id="{91F32EBA-ED97-466E-8CFA-8382584155D0}"/>
+                <a16:creationId xmlns:a16="http://schemas.microsoft.com/office/drawing/2014/main" id="{91F32EBA-ED97-466E-8CFA-8382584155D0}"/>
               </a:ext>
               <a:ext uri="{C183D7F6-B498-43B3-948B-1728B52AA6E4}">
-                <adec:decorative xmlns:adec="http://schemas.microsoft.com/office/drawing/2017/decorative" xmlns="" val="1"/>
+                <adec:decorative xmlns:adec="http://schemas.microsoft.com/office/drawing/2017/decorative" val="1"/>
               </a:ext>
             </a:extLst>
           </p:cNvPr>
@@ -5352,7 +5351,7 @@
           <p:nvPr>
             <p:extLst>
               <p:ext uri="{386F3935-93C4-4BCD-93E2-E3B085C9AB24}">
-                <p16:designElem xmlns:p16="http://schemas.microsoft.com/office/powerpoint/2015/main" xmlns="" val="1"/>
+                <p16:designElem xmlns:p16="http://schemas.microsoft.com/office/powerpoint/2015/main" val="1"/>
               </p:ext>
             </p:extLst>
           </p:nvPr>
@@ -5428,7 +5427,7 @@
           <p:cNvPr id="2" name="TextBox 1">
             <a:extLst>
               <a:ext uri="{FF2B5EF4-FFF2-40B4-BE49-F238E27FC236}">
-                <a16:creationId xmlns:a16="http://schemas.microsoft.com/office/drawing/2014/main" xmlns="" id="{F555FB54-7145-41A4-B7AC-80E889E6930E}"/>
+                <a16:creationId xmlns:a16="http://schemas.microsoft.com/office/drawing/2014/main" id="{F555FB54-7145-41A4-B7AC-80E889E6930E}"/>
               </a:ext>
             </a:extLst>
           </p:cNvPr>
@@ -5507,10 +5506,10 @@
           <p:cNvPr id="31" name="Freeform: Shape 30">
             <a:extLst>
               <a:ext uri="{FF2B5EF4-FFF2-40B4-BE49-F238E27FC236}">
-                <a16:creationId xmlns:a16="http://schemas.microsoft.com/office/drawing/2014/main" xmlns="" id="{62A38935-BB53-4DF7-A56E-48DD25B685D7}"/>
+                <a16:creationId xmlns:a16="http://schemas.microsoft.com/office/drawing/2014/main" id="{62A38935-BB53-4DF7-A56E-48DD25B685D7}"/>
               </a:ext>
               <a:ext uri="{C183D7F6-B498-43B3-948B-1728B52AA6E4}">
-                <adec:decorative xmlns:adec="http://schemas.microsoft.com/office/drawing/2017/decorative" xmlns="" val="1"/>
+                <adec:decorative xmlns:adec="http://schemas.microsoft.com/office/drawing/2017/decorative" val="1"/>
               </a:ext>
             </a:extLst>
           </p:cNvPr>
@@ -5520,7 +5519,7 @@
           <p:nvPr>
             <p:extLst>
               <p:ext uri="{386F3935-93C4-4BCD-93E2-E3B085C9AB24}">
-                <p16:designElem xmlns:p16="http://schemas.microsoft.com/office/powerpoint/2015/main" xmlns="" val="1"/>
+                <p16:designElem xmlns:p16="http://schemas.microsoft.com/office/powerpoint/2015/main" val="1"/>
               </p:ext>
             </p:extLst>
           </p:nvPr>
@@ -6310,7 +6309,7 @@
           <p:cNvPr id="23" name="Graphic 5" descr="Cmd Terminal outline">
             <a:extLst>
               <a:ext uri="{FF2B5EF4-FFF2-40B4-BE49-F238E27FC236}">
-                <a16:creationId xmlns:a16="http://schemas.microsoft.com/office/drawing/2014/main" xmlns="" id="{B5C9A296-4AD9-4D40-87ED-1242EE6EE8FE}"/>
+                <a16:creationId xmlns:a16="http://schemas.microsoft.com/office/drawing/2014/main" id="{B5C9A296-4AD9-4D40-87ED-1242EE6EE8FE}"/>
               </a:ext>
             </a:extLst>
           </p:cNvPr>
@@ -6323,7 +6322,7 @@
           <a:blip r:embed="rId2">
             <a:extLst>
               <a:ext uri="{96DAC541-7B7A-43D3-8B79-37D633B846F1}">
-                <asvg:svgBlip xmlns:asvg="http://schemas.microsoft.com/office/drawing/2016/SVG/main" xmlns="" r:embed="rId3"/>
+                <asvg:svgBlip xmlns:asvg="http://schemas.microsoft.com/office/drawing/2016/SVG/main" r:embed="rId3"/>
               </a:ext>
             </a:extLst>
           </a:blip>
@@ -6345,7 +6344,7 @@
           <p:cNvPr id="6" name="TextBox 5">
             <a:extLst>
               <a:ext uri="{FF2B5EF4-FFF2-40B4-BE49-F238E27FC236}">
-                <a16:creationId xmlns:a16="http://schemas.microsoft.com/office/drawing/2014/main" xmlns="" id="{29A1180F-7D7E-453B-86CE-C092E2107653}"/>
+                <a16:creationId xmlns:a16="http://schemas.microsoft.com/office/drawing/2014/main" id="{29A1180F-7D7E-453B-86CE-C092E2107653}"/>
               </a:ext>
             </a:extLst>
           </p:cNvPr>
@@ -6430,7 +6429,7 @@
           <p:cNvPr id="2" name="Title 1">
             <a:extLst>
               <a:ext uri="{FF2B5EF4-FFF2-40B4-BE49-F238E27FC236}">
-                <a16:creationId xmlns:a16="http://schemas.microsoft.com/office/drawing/2014/main" xmlns="" id="{EC84C91D-5C9A-4516-BC67-968A5870A641}"/>
+                <a16:creationId xmlns:a16="http://schemas.microsoft.com/office/drawing/2014/main" id="{EC84C91D-5C9A-4516-BC67-968A5870A641}"/>
               </a:ext>
             </a:extLst>
           </p:cNvPr>
@@ -6458,7 +6457,7 @@
           <p:cNvPr id="6" name="Text Placeholder 2">
             <a:extLst>
               <a:ext uri="{FF2B5EF4-FFF2-40B4-BE49-F238E27FC236}">
-                <a16:creationId xmlns:a16="http://schemas.microsoft.com/office/drawing/2014/main" xmlns="" id="{B2492802-8B0C-4827-9851-9AFF7EA821E8}"/>
+                <a16:creationId xmlns:a16="http://schemas.microsoft.com/office/drawing/2014/main" id="{B2492802-8B0C-4827-9851-9AFF7EA821E8}"/>
               </a:ext>
             </a:extLst>
           </p:cNvPr>
@@ -6957,7 +6956,7 @@
           <p:cNvPr id="2" name="Title 1">
             <a:extLst>
               <a:ext uri="{FF2B5EF4-FFF2-40B4-BE49-F238E27FC236}">
-                <a16:creationId xmlns:a16="http://schemas.microsoft.com/office/drawing/2014/main" xmlns="" id="{EC84C91D-5C9A-4516-BC67-968A5870A641}"/>
+                <a16:creationId xmlns:a16="http://schemas.microsoft.com/office/drawing/2014/main" id="{EC84C91D-5C9A-4516-BC67-968A5870A641}"/>
               </a:ext>
             </a:extLst>
           </p:cNvPr>
@@ -6990,7 +6989,7 @@
           <p:cNvPr id="6" name="Text Placeholder 2">
             <a:extLst>
               <a:ext uri="{FF2B5EF4-FFF2-40B4-BE49-F238E27FC236}">
-                <a16:creationId xmlns:a16="http://schemas.microsoft.com/office/drawing/2014/main" xmlns="" id="{B2492802-8B0C-4827-9851-9AFF7EA821E8}"/>
+                <a16:creationId xmlns:a16="http://schemas.microsoft.com/office/drawing/2014/main" id="{B2492802-8B0C-4827-9851-9AFF7EA821E8}"/>
               </a:ext>
             </a:extLst>
           </p:cNvPr>
@@ -7293,7 +7292,7 @@
           <p:cNvPr id="2" name="Title 1">
             <a:extLst>
               <a:ext uri="{FF2B5EF4-FFF2-40B4-BE49-F238E27FC236}">
-                <a16:creationId xmlns:a16="http://schemas.microsoft.com/office/drawing/2014/main" xmlns="" id="{968D42E9-F3D4-4897-9B35-E67A1098C1AF}"/>
+                <a16:creationId xmlns:a16="http://schemas.microsoft.com/office/drawing/2014/main" id="{968D42E9-F3D4-4897-9B35-E67A1098C1AF}"/>
               </a:ext>
             </a:extLst>
           </p:cNvPr>
@@ -7324,7 +7323,7 @@
           <p:cNvPr id="3" name="Content Placeholder 2">
             <a:extLst>
               <a:ext uri="{FF2B5EF4-FFF2-40B4-BE49-F238E27FC236}">
-                <a16:creationId xmlns:a16="http://schemas.microsoft.com/office/drawing/2014/main" xmlns="" id="{85C459ED-18CE-422D-A430-EC7E76532863}"/>
+                <a16:creationId xmlns:a16="http://schemas.microsoft.com/office/drawing/2014/main" id="{85C459ED-18CE-422D-A430-EC7E76532863}"/>
               </a:ext>
             </a:extLst>
           </p:cNvPr>
@@ -7537,7 +7536,7 @@
           <p:cNvPr id="2" name="Title 1">
             <a:extLst>
               <a:ext uri="{FF2B5EF4-FFF2-40B4-BE49-F238E27FC236}">
-                <a16:creationId xmlns:a16="http://schemas.microsoft.com/office/drawing/2014/main" xmlns="" id="{968D42E9-F3D4-4897-9B35-E67A1098C1AF}"/>
+                <a16:creationId xmlns:a16="http://schemas.microsoft.com/office/drawing/2014/main" id="{968D42E9-F3D4-4897-9B35-E67A1098C1AF}"/>
               </a:ext>
             </a:extLst>
           </p:cNvPr>
@@ -7576,7 +7575,7 @@
           <p:cNvPr id="3" name="Content Placeholder 2">
             <a:extLst>
               <a:ext uri="{FF2B5EF4-FFF2-40B4-BE49-F238E27FC236}">
-                <a16:creationId xmlns:a16="http://schemas.microsoft.com/office/drawing/2014/main" xmlns="" id="{85C459ED-18CE-422D-A430-EC7E76532863}"/>
+                <a16:creationId xmlns:a16="http://schemas.microsoft.com/office/drawing/2014/main" id="{85C459ED-18CE-422D-A430-EC7E76532863}"/>
               </a:ext>
             </a:extLst>
           </p:cNvPr>
@@ -7728,10 +7727,10 @@
           <p:cNvPr id="29" name="Rectangle 28">
             <a:extLst>
               <a:ext uri="{FF2B5EF4-FFF2-40B4-BE49-F238E27FC236}">
-                <a16:creationId xmlns:a16="http://schemas.microsoft.com/office/drawing/2014/main" xmlns="" id="{91F32EBA-ED97-466E-8CFA-8382584155D0}"/>
+                <a16:creationId xmlns:a16="http://schemas.microsoft.com/office/drawing/2014/main" id="{91F32EBA-ED97-466E-8CFA-8382584155D0}"/>
               </a:ext>
               <a:ext uri="{C183D7F6-B498-43B3-948B-1728B52AA6E4}">
-                <adec:decorative xmlns:adec="http://schemas.microsoft.com/office/drawing/2017/decorative" xmlns="" val="1"/>
+                <adec:decorative xmlns:adec="http://schemas.microsoft.com/office/drawing/2017/decorative" val="1"/>
               </a:ext>
             </a:extLst>
           </p:cNvPr>
@@ -7741,7 +7740,7 @@
           <p:nvPr>
             <p:extLst>
               <p:ext uri="{386F3935-93C4-4BCD-93E2-E3B085C9AB24}">
-                <p16:designElem xmlns:p16="http://schemas.microsoft.com/office/powerpoint/2015/main" xmlns="" val="1"/>
+                <p16:designElem xmlns:p16="http://schemas.microsoft.com/office/powerpoint/2015/main" val="1"/>
               </p:ext>
             </p:extLst>
           </p:nvPr>
@@ -7817,7 +7816,7 @@
           <p:cNvPr id="2" name="TextBox 1">
             <a:extLst>
               <a:ext uri="{FF2B5EF4-FFF2-40B4-BE49-F238E27FC236}">
-                <a16:creationId xmlns:a16="http://schemas.microsoft.com/office/drawing/2014/main" xmlns="" id="{F555FB54-7145-41A4-B7AC-80E889E6930E}"/>
+                <a16:creationId xmlns:a16="http://schemas.microsoft.com/office/drawing/2014/main" id="{F555FB54-7145-41A4-B7AC-80E889E6930E}"/>
               </a:ext>
             </a:extLst>
           </p:cNvPr>
@@ -7896,10 +7895,10 @@
           <p:cNvPr id="31" name="Freeform: Shape 30">
             <a:extLst>
               <a:ext uri="{FF2B5EF4-FFF2-40B4-BE49-F238E27FC236}">
-                <a16:creationId xmlns:a16="http://schemas.microsoft.com/office/drawing/2014/main" xmlns="" id="{62A38935-BB53-4DF7-A56E-48DD25B685D7}"/>
+                <a16:creationId xmlns:a16="http://schemas.microsoft.com/office/drawing/2014/main" id="{62A38935-BB53-4DF7-A56E-48DD25B685D7}"/>
               </a:ext>
               <a:ext uri="{C183D7F6-B498-43B3-948B-1728B52AA6E4}">
-                <adec:decorative xmlns:adec="http://schemas.microsoft.com/office/drawing/2017/decorative" xmlns="" val="1"/>
+                <adec:decorative xmlns:adec="http://schemas.microsoft.com/office/drawing/2017/decorative" val="1"/>
               </a:ext>
             </a:extLst>
           </p:cNvPr>
@@ -7909,7 +7908,7 @@
           <p:nvPr>
             <p:extLst>
               <p:ext uri="{386F3935-93C4-4BCD-93E2-E3B085C9AB24}">
-                <p16:designElem xmlns:p16="http://schemas.microsoft.com/office/powerpoint/2015/main" xmlns="" val="1"/>
+                <p16:designElem xmlns:p16="http://schemas.microsoft.com/office/powerpoint/2015/main" val="1"/>
               </p:ext>
             </p:extLst>
           </p:nvPr>
@@ -8699,7 +8698,7 @@
           <p:cNvPr id="23" name="Graphic 5" descr="Cmd Terminal outline">
             <a:extLst>
               <a:ext uri="{FF2B5EF4-FFF2-40B4-BE49-F238E27FC236}">
-                <a16:creationId xmlns:a16="http://schemas.microsoft.com/office/drawing/2014/main" xmlns="" id="{B5C9A296-4AD9-4D40-87ED-1242EE6EE8FE}"/>
+                <a16:creationId xmlns:a16="http://schemas.microsoft.com/office/drawing/2014/main" id="{B5C9A296-4AD9-4D40-87ED-1242EE6EE8FE}"/>
               </a:ext>
             </a:extLst>
           </p:cNvPr>
@@ -8712,7 +8711,7 @@
           <a:blip r:embed="rId2">
             <a:extLst>
               <a:ext uri="{96DAC541-7B7A-43D3-8B79-37D633B846F1}">
-                <asvg:svgBlip xmlns:asvg="http://schemas.microsoft.com/office/drawing/2016/SVG/main" xmlns="" r:embed="rId3"/>
+                <asvg:svgBlip xmlns:asvg="http://schemas.microsoft.com/office/drawing/2016/SVG/main" r:embed="rId3"/>
               </a:ext>
             </a:extLst>
           </a:blip>
@@ -8764,7 +8763,7 @@
           <p:cNvPr id="2" name="Title 1">
             <a:extLst>
               <a:ext uri="{FF2B5EF4-FFF2-40B4-BE49-F238E27FC236}">
-                <a16:creationId xmlns:a16="http://schemas.microsoft.com/office/drawing/2014/main" xmlns="" id="{EC84C91D-5C9A-4516-BC67-968A5870A641}"/>
+                <a16:creationId xmlns:a16="http://schemas.microsoft.com/office/drawing/2014/main" id="{EC84C91D-5C9A-4516-BC67-968A5870A641}"/>
               </a:ext>
             </a:extLst>
           </p:cNvPr>
@@ -8797,7 +8796,7 @@
           <p:cNvPr id="6" name="Text Placeholder 2">
             <a:extLst>
               <a:ext uri="{FF2B5EF4-FFF2-40B4-BE49-F238E27FC236}">
-                <a16:creationId xmlns:a16="http://schemas.microsoft.com/office/drawing/2014/main" xmlns="" id="{B2492802-8B0C-4827-9851-9AFF7EA821E8}"/>
+                <a16:creationId xmlns:a16="http://schemas.microsoft.com/office/drawing/2014/main" id="{B2492802-8B0C-4827-9851-9AFF7EA821E8}"/>
               </a:ext>
             </a:extLst>
           </p:cNvPr>
@@ -8849,7 +8848,7 @@
           <p:cNvPr id="8" name="Picture 7">
             <a:extLst>
               <a:ext uri="{FF2B5EF4-FFF2-40B4-BE49-F238E27FC236}">
-                <a16:creationId xmlns:a16="http://schemas.microsoft.com/office/drawing/2014/main" xmlns="" id="{6986577A-C26F-435B-8E72-EF20458C7716}"/>
+                <a16:creationId xmlns:a16="http://schemas.microsoft.com/office/drawing/2014/main" id="{6986577A-C26F-435B-8E72-EF20458C7716}"/>
               </a:ext>
             </a:extLst>
           </p:cNvPr>
@@ -8908,7 +8907,7 @@
           <p:cNvPr id="3" name="Picture 2">
             <a:extLst>
               <a:ext uri="{FF2B5EF4-FFF2-40B4-BE49-F238E27FC236}">
-                <a16:creationId xmlns:a16="http://schemas.microsoft.com/office/drawing/2014/main" xmlns="" id="{81A887B2-D4DB-4A92-8C55-35B75FAA26E5}"/>
+                <a16:creationId xmlns:a16="http://schemas.microsoft.com/office/drawing/2014/main" id="{81A887B2-D4DB-4A92-8C55-35B75FAA26E5}"/>
               </a:ext>
             </a:extLst>
           </p:cNvPr>
@@ -8937,7 +8936,7 @@
           <p:cNvPr id="2" name="Title 1">
             <a:extLst>
               <a:ext uri="{FF2B5EF4-FFF2-40B4-BE49-F238E27FC236}">
-                <a16:creationId xmlns:a16="http://schemas.microsoft.com/office/drawing/2014/main" xmlns="" id="{EC84C91D-5C9A-4516-BC67-968A5870A641}"/>
+                <a16:creationId xmlns:a16="http://schemas.microsoft.com/office/drawing/2014/main" id="{EC84C91D-5C9A-4516-BC67-968A5870A641}"/>
               </a:ext>
             </a:extLst>
           </p:cNvPr>
@@ -8970,7 +8969,7 @@
           <p:cNvPr id="6" name="Text Placeholder 2">
             <a:extLst>
               <a:ext uri="{FF2B5EF4-FFF2-40B4-BE49-F238E27FC236}">
-                <a16:creationId xmlns:a16="http://schemas.microsoft.com/office/drawing/2014/main" xmlns="" id="{B2492802-8B0C-4827-9851-9AFF7EA821E8}"/>
+                <a16:creationId xmlns:a16="http://schemas.microsoft.com/office/drawing/2014/main" id="{B2492802-8B0C-4827-9851-9AFF7EA821E8}"/>
               </a:ext>
             </a:extLst>
           </p:cNvPr>
@@ -9093,7 +9092,7 @@
           <p:cNvPr id="2" name="Title 1">
             <a:extLst>
               <a:ext uri="{FF2B5EF4-FFF2-40B4-BE49-F238E27FC236}">
-                <a16:creationId xmlns:a16="http://schemas.microsoft.com/office/drawing/2014/main" xmlns="" id="{EC84C91D-5C9A-4516-BC67-968A5870A641}"/>
+                <a16:creationId xmlns:a16="http://schemas.microsoft.com/office/drawing/2014/main" id="{EC84C91D-5C9A-4516-BC67-968A5870A641}"/>
               </a:ext>
             </a:extLst>
           </p:cNvPr>
@@ -9126,7 +9125,7 @@
           <p:cNvPr id="16" name="Text Placeholder 2">
             <a:extLst>
               <a:ext uri="{FF2B5EF4-FFF2-40B4-BE49-F238E27FC236}">
-                <a16:creationId xmlns:a16="http://schemas.microsoft.com/office/drawing/2014/main" xmlns="" id="{9B20BC00-0035-4264-86D5-2883AA26DB5D}"/>
+                <a16:creationId xmlns:a16="http://schemas.microsoft.com/office/drawing/2014/main" id="{9B20BC00-0035-4264-86D5-2883AA26DB5D}"/>
               </a:ext>
             </a:extLst>
           </p:cNvPr>
@@ -9354,7 +9353,7 @@
           <p:cNvPr id="8" name="Picture 7">
             <a:extLst>
               <a:ext uri="{FF2B5EF4-FFF2-40B4-BE49-F238E27FC236}">
-                <a16:creationId xmlns:a16="http://schemas.microsoft.com/office/drawing/2014/main" xmlns="" id="{BF78FE05-9D5A-41BF-86FC-40FFBC86AD35}"/>
+                <a16:creationId xmlns:a16="http://schemas.microsoft.com/office/drawing/2014/main" id="{BF78FE05-9D5A-41BF-86FC-40FFBC86AD35}"/>
               </a:ext>
             </a:extLst>
           </p:cNvPr>
@@ -9384,7 +9383,7 @@
           <p:cNvPr id="9" name="Rectangle 8">
             <a:extLst>
               <a:ext uri="{FF2B5EF4-FFF2-40B4-BE49-F238E27FC236}">
-                <a16:creationId xmlns:a16="http://schemas.microsoft.com/office/drawing/2014/main" xmlns="" id="{ABF6C8C1-FB1F-4C24-8302-A7F511C91223}"/>
+                <a16:creationId xmlns:a16="http://schemas.microsoft.com/office/drawing/2014/main" id="{ABF6C8C1-FB1F-4C24-8302-A7F511C91223}"/>
               </a:ext>
             </a:extLst>
           </p:cNvPr>
@@ -9429,7 +9428,7 @@
           <p:cNvPr id="24" name="Rectangle 23">
             <a:extLst>
               <a:ext uri="{FF2B5EF4-FFF2-40B4-BE49-F238E27FC236}">
-                <a16:creationId xmlns:a16="http://schemas.microsoft.com/office/drawing/2014/main" xmlns="" id="{9E0B818C-20A6-4088-802A-22E616E6ED73}"/>
+                <a16:creationId xmlns:a16="http://schemas.microsoft.com/office/drawing/2014/main" id="{9E0B818C-20A6-4088-802A-22E616E6ED73}"/>
               </a:ext>
             </a:extLst>
           </p:cNvPr>
@@ -9474,7 +9473,7 @@
           <p:cNvPr id="27" name="Rectangle 26">
             <a:extLst>
               <a:ext uri="{FF2B5EF4-FFF2-40B4-BE49-F238E27FC236}">
-                <a16:creationId xmlns:a16="http://schemas.microsoft.com/office/drawing/2014/main" xmlns="" id="{AA1D6BC2-EC7B-4B05-8118-A7F36D698CA7}"/>
+                <a16:creationId xmlns:a16="http://schemas.microsoft.com/office/drawing/2014/main" id="{AA1D6BC2-EC7B-4B05-8118-A7F36D698CA7}"/>
               </a:ext>
             </a:extLst>
           </p:cNvPr>
@@ -9524,7 +9523,7 @@
           <p:cNvPr id="28" name="Rectangle 27">
             <a:extLst>
               <a:ext uri="{FF2B5EF4-FFF2-40B4-BE49-F238E27FC236}">
-                <a16:creationId xmlns:a16="http://schemas.microsoft.com/office/drawing/2014/main" xmlns="" id="{C780F95B-0A0D-43FF-AB37-C0B049BA8F75}"/>
+                <a16:creationId xmlns:a16="http://schemas.microsoft.com/office/drawing/2014/main" id="{C780F95B-0A0D-43FF-AB37-C0B049BA8F75}"/>
               </a:ext>
             </a:extLst>
           </p:cNvPr>
@@ -9574,7 +9573,7 @@
           <p:cNvPr id="31" name="Rectangle 30">
             <a:extLst>
               <a:ext uri="{FF2B5EF4-FFF2-40B4-BE49-F238E27FC236}">
-                <a16:creationId xmlns:a16="http://schemas.microsoft.com/office/drawing/2014/main" xmlns="" id="{889578B9-CFB2-4327-9655-05CE0639EDD3}"/>
+                <a16:creationId xmlns:a16="http://schemas.microsoft.com/office/drawing/2014/main" id="{889578B9-CFB2-4327-9655-05CE0639EDD3}"/>
               </a:ext>
             </a:extLst>
           </p:cNvPr>
@@ -9624,7 +9623,7 @@
           <p:cNvPr id="10" name="TextBox 9">
             <a:extLst>
               <a:ext uri="{FF2B5EF4-FFF2-40B4-BE49-F238E27FC236}">
-                <a16:creationId xmlns:a16="http://schemas.microsoft.com/office/drawing/2014/main" xmlns="" id="{26965227-96A1-478A-99B4-E017E7B7D228}"/>
+                <a16:creationId xmlns:a16="http://schemas.microsoft.com/office/drawing/2014/main" id="{26965227-96A1-478A-99B4-E017E7B7D228}"/>
               </a:ext>
             </a:extLst>
           </p:cNvPr>
@@ -9660,7 +9659,7 @@
           <p:cNvPr id="32" name="TextBox 31">
             <a:extLst>
               <a:ext uri="{FF2B5EF4-FFF2-40B4-BE49-F238E27FC236}">
-                <a16:creationId xmlns:a16="http://schemas.microsoft.com/office/drawing/2014/main" xmlns="" id="{2EAB3431-750E-4C20-AEBE-392942ACAA55}"/>
+                <a16:creationId xmlns:a16="http://schemas.microsoft.com/office/drawing/2014/main" id="{2EAB3431-750E-4C20-AEBE-392942ACAA55}"/>
               </a:ext>
             </a:extLst>
           </p:cNvPr>
@@ -9696,7 +9695,7 @@
           <p:cNvPr id="33" name="TextBox 32">
             <a:extLst>
               <a:ext uri="{FF2B5EF4-FFF2-40B4-BE49-F238E27FC236}">
-                <a16:creationId xmlns:a16="http://schemas.microsoft.com/office/drawing/2014/main" xmlns="" id="{F77C5546-D51C-4235-BD62-CAE5E715A20C}"/>
+                <a16:creationId xmlns:a16="http://schemas.microsoft.com/office/drawing/2014/main" id="{F77C5546-D51C-4235-BD62-CAE5E715A20C}"/>
               </a:ext>
             </a:extLst>
           </p:cNvPr>
@@ -9732,7 +9731,7 @@
           <p:cNvPr id="34" name="TextBox 33">
             <a:extLst>
               <a:ext uri="{FF2B5EF4-FFF2-40B4-BE49-F238E27FC236}">
-                <a16:creationId xmlns:a16="http://schemas.microsoft.com/office/drawing/2014/main" xmlns="" id="{F7A4F583-AC59-4262-AC95-7C0F8FF75A73}"/>
+                <a16:creationId xmlns:a16="http://schemas.microsoft.com/office/drawing/2014/main" id="{F7A4F583-AC59-4262-AC95-7C0F8FF75A73}"/>
               </a:ext>
             </a:extLst>
           </p:cNvPr>
@@ -9768,7 +9767,7 @@
           <p:cNvPr id="35" name="TextBox 34">
             <a:extLst>
               <a:ext uri="{FF2B5EF4-FFF2-40B4-BE49-F238E27FC236}">
-                <a16:creationId xmlns:a16="http://schemas.microsoft.com/office/drawing/2014/main" xmlns="" id="{1A008953-014F-4585-B0E7-277CFB908D94}"/>
+                <a16:creationId xmlns:a16="http://schemas.microsoft.com/office/drawing/2014/main" id="{1A008953-014F-4585-B0E7-277CFB908D94}"/>
               </a:ext>
             </a:extLst>
           </p:cNvPr>
@@ -9804,7 +9803,7 @@
           <p:cNvPr id="37" name="TextBox 36">
             <a:extLst>
               <a:ext uri="{FF2B5EF4-FFF2-40B4-BE49-F238E27FC236}">
-                <a16:creationId xmlns:a16="http://schemas.microsoft.com/office/drawing/2014/main" xmlns="" id="{F815A05F-D86D-4FB5-85A3-B55DD2B46F41}"/>
+                <a16:creationId xmlns:a16="http://schemas.microsoft.com/office/drawing/2014/main" id="{F815A05F-D86D-4FB5-85A3-B55DD2B46F41}"/>
               </a:ext>
             </a:extLst>
           </p:cNvPr>
@@ -9840,7 +9839,7 @@
           <p:cNvPr id="12" name="Straight Arrow Connector 11">
             <a:extLst>
               <a:ext uri="{FF2B5EF4-FFF2-40B4-BE49-F238E27FC236}">
-                <a16:creationId xmlns:a16="http://schemas.microsoft.com/office/drawing/2014/main" xmlns="" id="{182F169C-CF3B-4511-AA65-0C8912B18E4C}"/>
+                <a16:creationId xmlns:a16="http://schemas.microsoft.com/office/drawing/2014/main" id="{182F169C-CF3B-4511-AA65-0C8912B18E4C}"/>
               </a:ext>
             </a:extLst>
           </p:cNvPr>
@@ -9883,7 +9882,7 @@
           <p:cNvPr id="38" name="Straight Arrow Connector 37">
             <a:extLst>
               <a:ext uri="{FF2B5EF4-FFF2-40B4-BE49-F238E27FC236}">
-                <a16:creationId xmlns:a16="http://schemas.microsoft.com/office/drawing/2014/main" xmlns="" id="{2CD9651C-D980-4679-9E26-8083B4AF91C0}"/>
+                <a16:creationId xmlns:a16="http://schemas.microsoft.com/office/drawing/2014/main" id="{2CD9651C-D980-4679-9E26-8083B4AF91C0}"/>
               </a:ext>
             </a:extLst>
           </p:cNvPr>
@@ -9925,7 +9924,7 @@
           <p:cNvPr id="39" name="Straight Arrow Connector 38">
             <a:extLst>
               <a:ext uri="{FF2B5EF4-FFF2-40B4-BE49-F238E27FC236}">
-                <a16:creationId xmlns:a16="http://schemas.microsoft.com/office/drawing/2014/main" xmlns="" id="{D62157B4-B2B6-4734-B813-E42C98148BA0}"/>
+                <a16:creationId xmlns:a16="http://schemas.microsoft.com/office/drawing/2014/main" id="{D62157B4-B2B6-4734-B813-E42C98148BA0}"/>
               </a:ext>
             </a:extLst>
           </p:cNvPr>
@@ -9968,7 +9967,7 @@
           <p:cNvPr id="42" name="Straight Arrow Connector 41">
             <a:extLst>
               <a:ext uri="{FF2B5EF4-FFF2-40B4-BE49-F238E27FC236}">
-                <a16:creationId xmlns:a16="http://schemas.microsoft.com/office/drawing/2014/main" xmlns="" id="{7FC0D7D3-68FA-4B1F-AEA7-976EA7DC9F61}"/>
+                <a16:creationId xmlns:a16="http://schemas.microsoft.com/office/drawing/2014/main" id="{7FC0D7D3-68FA-4B1F-AEA7-976EA7DC9F61}"/>
               </a:ext>
             </a:extLst>
           </p:cNvPr>
@@ -10011,7 +10010,7 @@
           <p:cNvPr id="45" name="Straight Arrow Connector 44">
             <a:extLst>
               <a:ext uri="{FF2B5EF4-FFF2-40B4-BE49-F238E27FC236}">
-                <a16:creationId xmlns:a16="http://schemas.microsoft.com/office/drawing/2014/main" xmlns="" id="{EA6EC157-D2EF-406F-BE28-F016F520E358}"/>
+                <a16:creationId xmlns:a16="http://schemas.microsoft.com/office/drawing/2014/main" id="{EA6EC157-D2EF-406F-BE28-F016F520E358}"/>
               </a:ext>
             </a:extLst>
           </p:cNvPr>
@@ -10054,7 +10053,7 @@
           <p:cNvPr id="49" name="Straight Arrow Connector 48">
             <a:extLst>
               <a:ext uri="{FF2B5EF4-FFF2-40B4-BE49-F238E27FC236}">
-                <a16:creationId xmlns:a16="http://schemas.microsoft.com/office/drawing/2014/main" xmlns="" id="{8B7EF2A5-CCDD-4C5C-B20B-C575D762A193}"/>
+                <a16:creationId xmlns:a16="http://schemas.microsoft.com/office/drawing/2014/main" id="{8B7EF2A5-CCDD-4C5C-B20B-C575D762A193}"/>
               </a:ext>
             </a:extLst>
           </p:cNvPr>
